--- a/PowerBIQuickStart.E03/Power BI Quick Start2.E03.pptx
+++ b/PowerBIQuickStart.E03/Power BI Quick Start2.E03.pptx
@@ -388,7 +388,7 @@
           <a:p>
             <a:fld id="{7F5E9BF7-95E4-A242-BA1D-05FDCF603BE6}" type="datetime1">
               <a:rPr lang="en-US" smtClean="0"/>
-              <a:t>2/25/2021</a:t>
+              <a:t>3/1/2021</a:t>
             </a:fld>
             <a:endParaRPr lang="en-US"/>
           </a:p>
@@ -554,7 +554,7 @@
           <a:p>
             <a:fld id="{165DBCB1-0306-AD41-9452-11E7C08D5C04}" type="datetime1">
               <a:rPr lang="en-US" smtClean="0"/>
-              <a:t>2/25/2021</a:t>
+              <a:t>3/1/2021</a:t>
             </a:fld>
             <a:endParaRPr lang="en-US"/>
           </a:p>
@@ -20319,7 +20319,7 @@
           </a:ln>
           <a:extLst>
             <a:ext uri="{C572A759-6A51-4108-AA02-DFA0A04FC94B}">
-              <ma14:wrappingTextBoxFlag xmlns="" xmlns:ma14="http://schemas.microsoft.com/office/mac/drawingml/2011/main" val="1"/>
+              <ma14:wrappingTextBoxFlag xmlns:ma14="http://schemas.microsoft.com/office/mac/drawingml/2011/main" xmlns="" val="1"/>
             </a:ext>
           </a:extLst>
         </p:spPr>
@@ -24883,11 +24883,11 @@
                 <a:effectLst/>
                 <a:latin typeface="Sans Regular"/>
               </a:rPr>
-              <a:t>Power BI Quick Start #3 </a:t>
-            </a:r>
-            <a:r>
-              <a:rPr lang="en-US" dirty="0"/>
-              <a:t>E02</a:t>
+              <a:t>Power BI Quick Start #2 </a:t>
+            </a:r>
+            <a:r>
+              <a:rPr lang="en-US" dirty="0"/>
+              <a:t>E03</a:t>
             </a:r>
           </a:p>
         </p:txBody>
@@ -25079,7 +25079,7 @@
               <a:rPr lang="en-US" dirty="0">
                 <a:latin typeface="+mn-lt"/>
               </a:rPr>
-              <a:t>E01</a:t>
+              <a:t>E03</a:t>
             </a:r>
           </a:p>
         </p:txBody>
@@ -29135,21 +29135,6 @@
 </file>
 
 <file path=customXml/item1.xml><?xml version="1.0" encoding="utf-8"?>
-<p:properties xmlns:p="http://schemas.microsoft.com/office/2006/metadata/properties" xmlns:xsi="http://www.w3.org/2001/XMLSchema-instance" xmlns:pc="http://schemas.microsoft.com/office/infopath/2007/PartnerControls">
-  <documentManagement/>
-</p:properties>
-</file>
-
-<file path=customXml/item2.xml><?xml version="1.0" encoding="utf-8"?>
-<?mso-contentType ?>
-<FormTemplates xmlns="http://schemas.microsoft.com/sharepoint/v3/contenttype/forms">
-  <Display>DocumentLibraryForm</Display>
-  <Edit>DocumentLibraryForm</Edit>
-  <New>DocumentLibraryForm</New>
-</FormTemplates>
-</file>
-
-<file path=customXml/item3.xml><?xml version="1.0" encoding="utf-8"?>
 <ct:contentTypeSchema xmlns:ct="http://schemas.microsoft.com/office/2006/metadata/contentType" xmlns:ma="http://schemas.microsoft.com/office/2006/metadata/properties/metaAttributes" ct:_="" ma:_="" ma:contentTypeName="Document" ma:contentTypeID="0x0101009B22848A6E75B0409A42E310CF3F8F4E" ma:contentTypeVersion="4" ma:contentTypeDescription="Create a new document." ma:contentTypeScope="" ma:versionID="1f74bb98edc28091374bbc6334961465">
   <xsd:schema xmlns:xsd="http://www.w3.org/2001/XMLSchema" xmlns:xs="http://www.w3.org/2001/XMLSchema" xmlns:p="http://schemas.microsoft.com/office/2006/metadata/properties" xmlns:ns2="609121fb-01d0-49fe-b3fd-9a3e3a0646a9" xmlns:ns3="c8fb4810-c3cf-44db-bdf0-77d94482a97a" targetNamespace="http://schemas.microsoft.com/office/2006/metadata/properties" ma:root="true" ma:fieldsID="a6f6063613ae5a1e9406fd437b4bafa6" ns2:_="" ns3:_="">
     <xsd:import namespace="609121fb-01d0-49fe-b3fd-9a3e3a0646a9"/>
@@ -29314,32 +29299,22 @@
 </ct:contentTypeSchema>
 </file>
 
-<file path=customXml/itemProps1.xml><?xml version="1.0" encoding="utf-8"?>
-<ds:datastoreItem xmlns:ds="http://schemas.openxmlformats.org/officeDocument/2006/customXml" ds:itemID="{D5E3C081-4081-47AD-A9A6-9F18F525DA1D}">
-  <ds:schemaRefs>
-    <ds:schemaRef ds:uri="http://purl.org/dc/terms/"/>
-    <ds:schemaRef ds:uri="609121fb-01d0-49fe-b3fd-9a3e3a0646a9"/>
-    <ds:schemaRef ds:uri="http://www.w3.org/XML/1998/namespace"/>
-    <ds:schemaRef ds:uri="http://schemas.microsoft.com/office/infopath/2007/PartnerControls"/>
-    <ds:schemaRef ds:uri="http://schemas.microsoft.com/office/2006/documentManagement/types"/>
-    <ds:schemaRef ds:uri="http://purl.org/dc/dcmitype/"/>
-    <ds:schemaRef ds:uri="http://purl.org/dc/elements/1.1/"/>
-    <ds:schemaRef ds:uri="http://schemas.openxmlformats.org/package/2006/metadata/core-properties"/>
-    <ds:schemaRef ds:uri="c8fb4810-c3cf-44db-bdf0-77d94482a97a"/>
-    <ds:schemaRef ds:uri="http://schemas.microsoft.com/office/2006/metadata/properties"/>
-  </ds:schemaRefs>
-</ds:datastoreItem>
+<file path=customXml/item2.xml><?xml version="1.0" encoding="utf-8"?>
+<?mso-contentType ?>
+<FormTemplates xmlns="http://schemas.microsoft.com/sharepoint/v3/contenttype/forms">
+  <Display>DocumentLibraryForm</Display>
+  <Edit>DocumentLibraryForm</Edit>
+  <New>DocumentLibraryForm</New>
+</FormTemplates>
 </file>
 
-<file path=customXml/itemProps2.xml><?xml version="1.0" encoding="utf-8"?>
-<ds:datastoreItem xmlns:ds="http://schemas.openxmlformats.org/officeDocument/2006/customXml" ds:itemID="{14883F0F-DE57-4ECA-B9BB-F22E8C5B5D82}">
-  <ds:schemaRefs>
-    <ds:schemaRef ds:uri="http://schemas.microsoft.com/sharepoint/v3/contenttype/forms"/>
-  </ds:schemaRefs>
-</ds:datastoreItem>
+<file path=customXml/item3.xml><?xml version="1.0" encoding="utf-8"?>
+<p:properties xmlns:p="http://schemas.microsoft.com/office/2006/metadata/properties" xmlns:xsi="http://www.w3.org/2001/XMLSchema-instance" xmlns:pc="http://schemas.microsoft.com/office/infopath/2007/PartnerControls">
+  <documentManagement/>
+</p:properties>
 </file>
 
-<file path=customXml/itemProps3.xml><?xml version="1.0" encoding="utf-8"?>
+<file path=customXml/itemProps1.xml><?xml version="1.0" encoding="utf-8"?>
 <ds:datastoreItem xmlns:ds="http://schemas.openxmlformats.org/officeDocument/2006/customXml" ds:itemID="{CF288694-7F1C-4CF0-90DC-59991385141F}">
   <ds:schemaRefs>
     <ds:schemaRef ds:uri="http://schemas.microsoft.com/office/2006/metadata/contentType"/>
@@ -29356,4 +29331,29 @@
     <ds:schemaRef ds:uri="http://schemas.microsoft.com/internal/obd"/>
   </ds:schemaRefs>
 </ds:datastoreItem>
+</file>
+
+<file path=customXml/itemProps2.xml><?xml version="1.0" encoding="utf-8"?>
+<ds:datastoreItem xmlns:ds="http://schemas.openxmlformats.org/officeDocument/2006/customXml" ds:itemID="{14883F0F-DE57-4ECA-B9BB-F22E8C5B5D82}">
+  <ds:schemaRefs>
+    <ds:schemaRef ds:uri="http://schemas.microsoft.com/sharepoint/v3/contenttype/forms"/>
+  </ds:schemaRefs>
+</ds:datastoreItem>
+</file>
+
+<file path=customXml/itemProps3.xml><?xml version="1.0" encoding="utf-8"?>
+<ds:datastoreItem xmlns:ds="http://schemas.openxmlformats.org/officeDocument/2006/customXml" ds:itemID="{D5E3C081-4081-47AD-A9A6-9F18F525DA1D}">
+  <ds:schemaRefs>
+    <ds:schemaRef ds:uri="http://purl.org/dc/terms/"/>
+    <ds:schemaRef ds:uri="609121fb-01d0-49fe-b3fd-9a3e3a0646a9"/>
+    <ds:schemaRef ds:uri="http://www.w3.org/XML/1998/namespace"/>
+    <ds:schemaRef ds:uri="http://schemas.microsoft.com/office/infopath/2007/PartnerControls"/>
+    <ds:schemaRef ds:uri="http://schemas.microsoft.com/office/2006/documentManagement/types"/>
+    <ds:schemaRef ds:uri="http://purl.org/dc/dcmitype/"/>
+    <ds:schemaRef ds:uri="http://purl.org/dc/elements/1.1/"/>
+    <ds:schemaRef ds:uri="http://schemas.openxmlformats.org/package/2006/metadata/core-properties"/>
+    <ds:schemaRef ds:uri="c8fb4810-c3cf-44db-bdf0-77d94482a97a"/>
+    <ds:schemaRef ds:uri="http://schemas.microsoft.com/office/2006/metadata/properties"/>
+  </ds:schemaRefs>
+</ds:datastoreItem>
 </file>